--- a/AI Tic tac toe.pptx
+++ b/AI Tic tac toe.pptx
@@ -10,7 +10,9 @@
     <p:sldId id="262" r:id="rId7"/>
     <p:sldId id="263" r:id="rId8"/>
     <p:sldId id="264" r:id="rId9"/>
-    <p:sldId id="265" r:id="rId10"/>
+    <p:sldId id="267" r:id="rId10"/>
+    <p:sldId id="266" r:id="rId11"/>
+    <p:sldId id="265" r:id="rId12"/>
   </p:sldIdLst>
   <p:sldSz cx="12192000" cy="6858000"/>
   <p:notesSz cx="6858000" cy="9144000"/>
@@ -893,7 +895,7 @@
           <a:p>
             <a:fld id="{EA0C0817-A112-4847-8014-A94B7D2A4EA3}" type="datetime1">
               <a:rPr lang="en-US" smtClean="0"/>
-              <a:t>5/2/2022</a:t>
+              <a:t>5/3/2022</a:t>
             </a:fld>
             <a:endParaRPr lang="en-US" dirty="0"/>
           </a:p>
@@ -1144,7 +1146,7 @@
           <a:p>
             <a:fld id="{F6FA2B21-3FCD-4721-B95C-427943F61125}" type="datetime1">
               <a:rPr lang="en-US" smtClean="0"/>
-              <a:t>5/2/2022</a:t>
+              <a:t>5/3/2022</a:t>
             </a:fld>
             <a:endParaRPr lang="en-US" dirty="0"/>
           </a:p>
@@ -1459,7 +1461,7 @@
           <a:p>
             <a:fld id="{F6FA2B21-3FCD-4721-B95C-427943F61125}" type="datetime1">
               <a:rPr lang="en-US" smtClean="0"/>
-              <a:t>5/2/2022</a:t>
+              <a:t>5/3/2022</a:t>
             </a:fld>
             <a:endParaRPr lang="en-US" dirty="0"/>
           </a:p>
@@ -1801,7 +1803,7 @@
           <a:p>
             <a:fld id="{F6FA2B21-3FCD-4721-B95C-427943F61125}" type="datetime1">
               <a:rPr lang="en-US" smtClean="0"/>
-              <a:t>5/2/2022</a:t>
+              <a:t>5/3/2022</a:t>
             </a:fld>
             <a:endParaRPr lang="en-US" dirty="0"/>
           </a:p>
@@ -2116,7 +2118,7 @@
           <a:p>
             <a:fld id="{F6FA2B21-3FCD-4721-B95C-427943F61125}" type="datetime1">
               <a:rPr lang="en-US" smtClean="0"/>
-              <a:t>5/2/2022</a:t>
+              <a:t>5/3/2022</a:t>
             </a:fld>
             <a:endParaRPr lang="en-US" dirty="0"/>
           </a:p>
@@ -2510,7 +2512,7 @@
           <a:p>
             <a:fld id="{F6FA2B21-3FCD-4721-B95C-427943F61125}" type="datetime1">
               <a:rPr lang="en-US" smtClean="0"/>
-              <a:t>5/2/2022</a:t>
+              <a:t>5/3/2022</a:t>
             </a:fld>
             <a:endParaRPr lang="en-US" dirty="0"/>
           </a:p>
@@ -2681,7 +2683,7 @@
           <a:p>
             <a:fld id="{F6FA2B21-3FCD-4721-B95C-427943F61125}" type="datetime1">
               <a:rPr lang="en-US" smtClean="0"/>
-              <a:t>5/2/2022</a:t>
+              <a:t>5/3/2022</a:t>
             </a:fld>
             <a:endParaRPr lang="en-US" dirty="0"/>
           </a:p>
@@ -2862,7 +2864,7 @@
           <a:p>
             <a:fld id="{F6FA2B21-3FCD-4721-B95C-427943F61125}" type="datetime1">
               <a:rPr lang="en-US" smtClean="0"/>
-              <a:t>5/2/2022</a:t>
+              <a:t>5/3/2022</a:t>
             </a:fld>
             <a:endParaRPr lang="en-US" dirty="0"/>
           </a:p>
@@ -3039,7 +3041,7 @@
           <a:p>
             <a:fld id="{7332B432-ACDA-4023-A761-2BAB76577B62}" type="datetime1">
               <a:rPr lang="en-US" smtClean="0"/>
-              <a:t>5/2/2022</a:t>
+              <a:t>5/3/2022</a:t>
             </a:fld>
             <a:endParaRPr lang="en-US" dirty="0"/>
           </a:p>
@@ -3286,7 +3288,7 @@
           <a:p>
             <a:fld id="{D9C646AA-F36E-4540-911D-FFFC0A0EF24A}" type="datetime1">
               <a:rPr lang="en-US" smtClean="0"/>
-              <a:t>5/2/2022</a:t>
+              <a:t>5/3/2022</a:t>
             </a:fld>
             <a:endParaRPr lang="en-US" dirty="0"/>
           </a:p>
@@ -3518,7 +3520,7 @@
           <a:p>
             <a:fld id="{69186D26-FA5F-4637-B602-B7C2DC34CFD4}" type="datetime1">
               <a:rPr lang="en-US" smtClean="0"/>
-              <a:t>5/2/2022</a:t>
+              <a:t>5/3/2022</a:t>
             </a:fld>
             <a:endParaRPr lang="en-US" dirty="0"/>
           </a:p>
@@ -3892,7 +3894,7 @@
           <a:p>
             <a:fld id="{8A7F15D8-96D1-4781-BC50-CA8A088B2FE4}" type="datetime1">
               <a:rPr lang="en-US" smtClean="0"/>
-              <a:t>5/2/2022</a:t>
+              <a:t>5/3/2022</a:t>
             </a:fld>
             <a:endParaRPr lang="en-US" dirty="0"/>
           </a:p>
@@ -4015,7 +4017,7 @@
           <a:p>
             <a:fld id="{F9A96C99-B8F8-4528-BD05-0E16E943DC09}" type="datetime1">
               <a:rPr lang="en-US" smtClean="0"/>
-              <a:t>5/2/2022</a:t>
+              <a:t>5/3/2022</a:t>
             </a:fld>
             <a:endParaRPr lang="en-US" dirty="0"/>
           </a:p>
@@ -4110,7 +4112,7 @@
           <a:p>
             <a:fld id="{03636942-C211-4B28-8DBD-C953E00AF71B}" type="datetime1">
               <a:rPr lang="en-US" smtClean="0"/>
-              <a:t>5/2/2022</a:t>
+              <a:t>5/3/2022</a:t>
             </a:fld>
             <a:endParaRPr lang="en-US" dirty="0"/>
           </a:p>
@@ -4365,7 +4367,7 @@
           <a:p>
             <a:fld id="{7E8D12A6-918A-48BD-8CB9-CA713993B0EA}" type="datetime1">
               <a:rPr lang="en-US" smtClean="0"/>
-              <a:t>5/2/2022</a:t>
+              <a:t>5/3/2022</a:t>
             </a:fld>
             <a:endParaRPr lang="en-US" dirty="0"/>
           </a:p>
@@ -4629,7 +4631,7 @@
             <a:fld id="{E778CE86-875F-4587-BCF6-FA054AFC0D53}" type="datetime1">
               <a:rPr lang="en-US" smtClean="0"/>
               <a:pPr/>
-              <a:t>5/2/2022</a:t>
+              <a:t>5/3/2022</a:t>
             </a:fld>
             <a:endParaRPr lang="en-US" dirty="0"/>
           </a:p>
@@ -5373,7 +5375,7 @@
           <a:p>
             <a:fld id="{F6FA2B21-3FCD-4721-B95C-427943F61125}" type="datetime1">
               <a:rPr lang="en-US" smtClean="0"/>
-              <a:t>5/2/2022</a:t>
+              <a:t>5/3/2022</a:t>
             </a:fld>
             <a:endParaRPr lang="en-US" dirty="0"/>
           </a:p>
@@ -6220,7 +6222,7 @@
         </p:spPr>
         <p:txBody>
           <a:bodyPr>
-            <a:normAutofit fontScale="92500"/>
+            <a:normAutofit fontScale="92500" lnSpcReduction="20000"/>
           </a:bodyPr>
           <a:lstStyle/>
           <a:p>
@@ -6253,7 +6255,18 @@
             </a:pPr>
             <a:r>
               <a:rPr lang="en-US" dirty="0"/>
-              <a:t>No real roles, everyone works on same part of project</a:t>
+              <a:t>Jack wrote Tic Tac Toe in C++ as a testing ground</a:t>
+            </a:r>
+          </a:p>
+          <a:p>
+            <a:pPr>
+              <a:lnSpc>
+                <a:spcPct val="150000"/>
+              </a:lnSpc>
+            </a:pPr>
+            <a:r>
+              <a:rPr lang="en-US" dirty="0"/>
+              <a:t>Melvin + Bohdan wrote client and server</a:t>
             </a:r>
           </a:p>
           <a:p>
@@ -6931,8 +6944,8 @@
             <a:chExt cx="2306520" cy="323280"/>
           </a:xfrm>
         </p:grpSpPr>
-        <mc:AlternateContent xmlns:mc="http://schemas.openxmlformats.org/markup-compatibility/2006">
-          <mc:Choice xmlns:p14="http://schemas.microsoft.com/office/powerpoint/2010/main" Requires="p14">
+        <mc:AlternateContent xmlns:mc="http://schemas.openxmlformats.org/markup-compatibility/2006" xmlns:p14="http://schemas.microsoft.com/office/powerpoint/2010/main">
+          <mc:Choice Requires="p14">
             <p:contentPart p14:bwMode="auto" r:id="rId2">
               <p14:nvContentPartPr>
                 <p14:cNvPr id="20" name="Ink 19">
@@ -6951,7 +6964,7 @@
               </p14:xfrm>
             </p:contentPart>
           </mc:Choice>
-          <mc:Fallback>
+          <mc:Fallback xmlns="">
             <p:pic>
               <p:nvPicPr>
                 <p:cNvPr id="20" name="Ink 19">
@@ -6982,8 +6995,8 @@
             </p:pic>
           </mc:Fallback>
         </mc:AlternateContent>
-        <mc:AlternateContent xmlns:mc="http://schemas.openxmlformats.org/markup-compatibility/2006">
-          <mc:Choice xmlns:p14="http://schemas.microsoft.com/office/powerpoint/2010/main" Requires="p14">
+        <mc:AlternateContent xmlns:mc="http://schemas.openxmlformats.org/markup-compatibility/2006" xmlns:p14="http://schemas.microsoft.com/office/powerpoint/2010/main">
+          <mc:Choice Requires="p14">
             <p:contentPart p14:bwMode="auto" r:id="rId4">
               <p14:nvContentPartPr>
                 <p14:cNvPr id="21" name="Ink 20">
@@ -7002,7 +7015,7 @@
               </p14:xfrm>
             </p:contentPart>
           </mc:Choice>
-          <mc:Fallback>
+          <mc:Fallback xmlns="">
             <p:pic>
               <p:nvPicPr>
                 <p:cNvPr id="21" name="Ink 20">
@@ -7048,6 +7061,386 @@
 </file>
 
 <file path=ppt/slides/slide6.xml><?xml version="1.0" encoding="utf-8"?>
+<p:sld xmlns:a="http://schemas.openxmlformats.org/drawingml/2006/main" xmlns:r="http://schemas.openxmlformats.org/officeDocument/2006/relationships" xmlns:p="http://schemas.openxmlformats.org/presentationml/2006/main">
+  <p:cSld>
+    <p:spTree>
+      <p:nvGrpSpPr>
+        <p:cNvPr id="1" name=""/>
+        <p:cNvGrpSpPr/>
+        <p:nvPr/>
+      </p:nvGrpSpPr>
+      <p:grpSpPr>
+        <a:xfrm>
+          <a:off x="0" y="0"/>
+          <a:ext cx="0" cy="0"/>
+          <a:chOff x="0" y="0"/>
+          <a:chExt cx="0" cy="0"/>
+        </a:xfrm>
+      </p:grpSpPr>
+      <p:sp>
+        <p:nvSpPr>
+          <p:cNvPr id="2" name="Title 1">
+            <a:extLst>
+              <a:ext uri="{FF2B5EF4-FFF2-40B4-BE49-F238E27FC236}">
+                <a16:creationId xmlns:a16="http://schemas.microsoft.com/office/drawing/2014/main" id="{8A8865D6-2ACE-48BF-802E-2979A3800500}"/>
+              </a:ext>
+            </a:extLst>
+          </p:cNvPr>
+          <p:cNvSpPr>
+            <a:spLocks noGrp="1"/>
+          </p:cNvSpPr>
+          <p:nvPr>
+            <p:ph type="title"/>
+          </p:nvPr>
+        </p:nvSpPr>
+        <p:spPr/>
+        <p:txBody>
+          <a:bodyPr/>
+          <a:lstStyle/>
+          <a:p>
+            <a:r>
+              <a:rPr lang="en-US" dirty="0"/>
+              <a:t>Game Logic</a:t>
+            </a:r>
+          </a:p>
+        </p:txBody>
+      </p:sp>
+      <p:sp>
+        <p:nvSpPr>
+          <p:cNvPr id="3" name="Content Placeholder 2">
+            <a:extLst>
+              <a:ext uri="{FF2B5EF4-FFF2-40B4-BE49-F238E27FC236}">
+                <a16:creationId xmlns:a16="http://schemas.microsoft.com/office/drawing/2014/main" id="{4B0163B6-AE59-41F1-AD6F-DBE02DC599D7}"/>
+              </a:ext>
+            </a:extLst>
+          </p:cNvPr>
+          <p:cNvSpPr>
+            <a:spLocks noGrp="1"/>
+          </p:cNvSpPr>
+          <p:nvPr>
+            <p:ph idx="1"/>
+          </p:nvPr>
+        </p:nvSpPr>
+        <p:spPr>
+          <a:xfrm>
+            <a:off x="345864" y="1559853"/>
+            <a:ext cx="8596668" cy="3880773"/>
+          </a:xfrm>
+        </p:spPr>
+        <p:txBody>
+          <a:bodyPr/>
+          <a:lstStyle/>
+          <a:p>
+            <a:r>
+              <a:rPr lang="en-US" dirty="0"/>
+              <a:t>Game board is array</a:t>
+            </a:r>
+          </a:p>
+          <a:p>
+            <a:pPr lvl="1"/>
+            <a:r>
+              <a:rPr lang="en-US" dirty="0"/>
+              <a:t>Updated per turn</a:t>
+            </a:r>
+          </a:p>
+          <a:p>
+            <a:r>
+              <a:rPr lang="en-US" dirty="0"/>
+              <a:t>Can pick if player first or AI first, or randomize</a:t>
+            </a:r>
+          </a:p>
+          <a:p>
+            <a:pPr>
+              <a:lnSpc>
+                <a:spcPct val="150000"/>
+              </a:lnSpc>
+            </a:pPr>
+            <a:r>
+              <a:rPr lang="en-US" dirty="0"/>
+              <a:t>AI semi intelligent</a:t>
+            </a:r>
+          </a:p>
+          <a:p>
+            <a:pPr lvl="1">
+              <a:lnSpc>
+                <a:spcPct val="150000"/>
+              </a:lnSpc>
+            </a:pPr>
+            <a:r>
+              <a:rPr lang="en-US" dirty="0"/>
+              <a:t>Picks random spots on board</a:t>
+            </a:r>
+          </a:p>
+          <a:p>
+            <a:pPr marL="0" indent="0">
+              <a:buNone/>
+            </a:pPr>
+            <a:endParaRPr lang="en-US" dirty="0"/>
+          </a:p>
+        </p:txBody>
+      </p:sp>
+      <p:pic>
+        <p:nvPicPr>
+          <p:cNvPr id="1026" name="Picture 2">
+            <a:extLst>
+              <a:ext uri="{FF2B5EF4-FFF2-40B4-BE49-F238E27FC236}">
+                <a16:creationId xmlns:a16="http://schemas.microsoft.com/office/drawing/2014/main" id="{1C1E3C48-6A23-4430-B3B7-77DDAB8F43C4}"/>
+              </a:ext>
+            </a:extLst>
+          </p:cNvPr>
+          <p:cNvPicPr>
+            <a:picLocks noChangeAspect="1" noChangeArrowheads="1"/>
+          </p:cNvPicPr>
+          <p:nvPr/>
+        </p:nvPicPr>
+        <p:blipFill>
+          <a:blip r:embed="rId2">
+            <a:extLst>
+              <a:ext uri="{28A0092B-C50C-407E-A947-70E740481C1C}">
+                <a14:useLocalDpi xmlns:a14="http://schemas.microsoft.com/office/drawing/2010/main" val="0"/>
+              </a:ext>
+            </a:extLst>
+          </a:blip>
+          <a:srcRect/>
+          <a:stretch>
+            <a:fillRect/>
+          </a:stretch>
+        </p:blipFill>
+        <p:spPr bwMode="auto">
+          <a:xfrm>
+            <a:off x="7475152" y="1269998"/>
+            <a:ext cx="4260639" cy="4460481"/>
+          </a:xfrm>
+          <a:prstGeom prst="rect">
+            <a:avLst/>
+          </a:prstGeom>
+          <a:noFill/>
+          <a:extLst>
+            <a:ext uri="{909E8E84-426E-40DD-AFC4-6F175D3DCCD1}">
+              <a14:hiddenFill xmlns:a14="http://schemas.microsoft.com/office/drawing/2010/main">
+                <a:solidFill>
+                  <a:srgbClr val="FFFFFF"/>
+                </a:solidFill>
+              </a14:hiddenFill>
+            </a:ext>
+          </a:extLst>
+        </p:spPr>
+      </p:pic>
+    </p:spTree>
+    <p:extLst>
+      <p:ext uri="{BB962C8B-B14F-4D97-AF65-F5344CB8AC3E}">
+        <p14:creationId xmlns:p14="http://schemas.microsoft.com/office/powerpoint/2010/main" val="562159487"/>
+      </p:ext>
+    </p:extLst>
+  </p:cSld>
+  <p:clrMapOvr>
+    <a:masterClrMapping/>
+  </p:clrMapOvr>
+</p:sld>
+</file>
+
+<file path=ppt/slides/slide7.xml><?xml version="1.0" encoding="utf-8"?>
+<p:sld xmlns:a="http://schemas.openxmlformats.org/drawingml/2006/main" xmlns:r="http://schemas.openxmlformats.org/officeDocument/2006/relationships" xmlns:p="http://schemas.openxmlformats.org/presentationml/2006/main">
+  <p:cSld>
+    <p:spTree>
+      <p:nvGrpSpPr>
+        <p:cNvPr id="1" name=""/>
+        <p:cNvGrpSpPr/>
+        <p:nvPr/>
+      </p:nvGrpSpPr>
+      <p:grpSpPr>
+        <a:xfrm>
+          <a:off x="0" y="0"/>
+          <a:ext cx="0" cy="0"/>
+          <a:chOff x="0" y="0"/>
+          <a:chExt cx="0" cy="0"/>
+        </a:xfrm>
+      </p:grpSpPr>
+      <p:sp>
+        <p:nvSpPr>
+          <p:cNvPr id="2" name="Title 1">
+            <a:extLst>
+              <a:ext uri="{FF2B5EF4-FFF2-40B4-BE49-F238E27FC236}">
+                <a16:creationId xmlns:a16="http://schemas.microsoft.com/office/drawing/2014/main" id="{C86C9338-BBE8-4DCA-B8E2-4415D7541DD7}"/>
+              </a:ext>
+            </a:extLst>
+          </p:cNvPr>
+          <p:cNvSpPr>
+            <a:spLocks noGrp="1"/>
+          </p:cNvSpPr>
+          <p:nvPr>
+            <p:ph type="title"/>
+          </p:nvPr>
+        </p:nvSpPr>
+        <p:spPr/>
+        <p:txBody>
+          <a:bodyPr/>
+          <a:lstStyle/>
+          <a:p>
+            <a:r>
+              <a:rPr lang="en-US" dirty="0"/>
+              <a:t>Details</a:t>
+            </a:r>
+          </a:p>
+        </p:txBody>
+      </p:sp>
+      <p:sp>
+        <p:nvSpPr>
+          <p:cNvPr id="3" name="Content Placeholder 2">
+            <a:extLst>
+              <a:ext uri="{FF2B5EF4-FFF2-40B4-BE49-F238E27FC236}">
+                <a16:creationId xmlns:a16="http://schemas.microsoft.com/office/drawing/2014/main" id="{2B4A5D4C-1840-45D1-A10F-89AD531AB6AA}"/>
+              </a:ext>
+            </a:extLst>
+          </p:cNvPr>
+          <p:cNvSpPr>
+            <a:spLocks noGrp="1"/>
+          </p:cNvSpPr>
+          <p:nvPr>
+            <p:ph idx="1"/>
+          </p:nvPr>
+        </p:nvSpPr>
+        <p:spPr>
+          <a:xfrm>
+            <a:off x="677334" y="1860791"/>
+            <a:ext cx="8596668" cy="3880773"/>
+          </a:xfrm>
+        </p:spPr>
+        <p:txBody>
+          <a:bodyPr>
+            <a:normAutofit/>
+          </a:bodyPr>
+          <a:lstStyle/>
+          <a:p>
+            <a:r>
+              <a:rPr lang="en-US" dirty="0"/>
+              <a:t>Server handles most of the work</a:t>
+            </a:r>
+          </a:p>
+          <a:p>
+            <a:r>
+              <a:rPr lang="en-US" dirty="0"/>
+              <a:t>Server port 80</a:t>
+            </a:r>
+          </a:p>
+          <a:p>
+            <a:r>
+              <a:rPr lang="en-US" dirty="0"/>
+              <a:t>Server handle</a:t>
+            </a:r>
+          </a:p>
+          <a:p>
+            <a:pPr marL="0" indent="0">
+              <a:buNone/>
+            </a:pPr>
+            <a:endParaRPr lang="en-US" dirty="0"/>
+          </a:p>
+          <a:p>
+            <a:r>
+              <a:rPr lang="en-US" dirty="0"/>
+              <a:t>If connection up, repeatedly asks for user input</a:t>
+            </a:r>
+          </a:p>
+          <a:p>
+            <a:r>
+              <a:rPr lang="en-US" dirty="0"/>
+              <a:t>Server runs</a:t>
+            </a:r>
+          </a:p>
+          <a:p>
+            <a:r>
+              <a:rPr lang="en-US" dirty="0"/>
+              <a:t>Client sends</a:t>
+            </a:r>
+          </a:p>
+          <a:p>
+            <a:r>
+              <a:rPr lang="en-US" dirty="0"/>
+              <a:t>Player enters 1-9</a:t>
+            </a:r>
+          </a:p>
+          <a:p>
+            <a:r>
+              <a:rPr lang="en-US" dirty="0"/>
+              <a:t>If not 1-9, asks for input again</a:t>
+            </a:r>
+          </a:p>
+        </p:txBody>
+      </p:sp>
+      <p:pic>
+        <p:nvPicPr>
+          <p:cNvPr id="5" name="Picture 4">
+            <a:extLst>
+              <a:ext uri="{FF2B5EF4-FFF2-40B4-BE49-F238E27FC236}">
+                <a16:creationId xmlns:a16="http://schemas.microsoft.com/office/drawing/2014/main" id="{553AD302-86CA-4B9D-84C7-E5D67341C314}"/>
+              </a:ext>
+            </a:extLst>
+          </p:cNvPr>
+          <p:cNvPicPr>
+            <a:picLocks noChangeAspect="1"/>
+          </p:cNvPicPr>
+          <p:nvPr/>
+        </p:nvPicPr>
+        <p:blipFill>
+          <a:blip r:embed="rId2"/>
+          <a:stretch>
+            <a:fillRect/>
+          </a:stretch>
+        </p:blipFill>
+        <p:spPr>
+          <a:xfrm>
+            <a:off x="4649503" y="2229389"/>
+            <a:ext cx="4624499" cy="636399"/>
+          </a:xfrm>
+          <a:prstGeom prst="rect">
+            <a:avLst/>
+          </a:prstGeom>
+        </p:spPr>
+      </p:pic>
+      <p:pic>
+        <p:nvPicPr>
+          <p:cNvPr id="7" name="Picture 6">
+            <a:extLst>
+              <a:ext uri="{FF2B5EF4-FFF2-40B4-BE49-F238E27FC236}">
+                <a16:creationId xmlns:a16="http://schemas.microsoft.com/office/drawing/2014/main" id="{80C88E9F-E524-4D6C-AC68-DE8873743518}"/>
+              </a:ext>
+            </a:extLst>
+          </p:cNvPr>
+          <p:cNvPicPr>
+            <a:picLocks noChangeAspect="1"/>
+          </p:cNvPicPr>
+          <p:nvPr/>
+        </p:nvPicPr>
+        <p:blipFill>
+          <a:blip r:embed="rId3"/>
+          <a:stretch>
+            <a:fillRect/>
+          </a:stretch>
+        </p:blipFill>
+        <p:spPr>
+          <a:xfrm>
+            <a:off x="6560037" y="3473149"/>
+            <a:ext cx="3932703" cy="2908903"/>
+          </a:xfrm>
+          <a:prstGeom prst="rect">
+            <a:avLst/>
+          </a:prstGeom>
+        </p:spPr>
+      </p:pic>
+    </p:spTree>
+    <p:extLst>
+      <p:ext uri="{BB962C8B-B14F-4D97-AF65-F5344CB8AC3E}">
+        <p14:creationId xmlns:p14="http://schemas.microsoft.com/office/powerpoint/2010/main" val="2939736039"/>
+      </p:ext>
+    </p:extLst>
+  </p:cSld>
+  <p:clrMapOvr>
+    <a:masterClrMapping/>
+  </p:clrMapOvr>
+</p:sld>
+</file>
+
+<file path=ppt/slides/slide8.xml><?xml version="1.0" encoding="utf-8"?>
 <p:sld xmlns:a="http://schemas.openxmlformats.org/drawingml/2006/main" xmlns:r="http://schemas.openxmlformats.org/officeDocument/2006/relationships" xmlns:p="http://schemas.openxmlformats.org/presentationml/2006/main">
   <p:cSld>
     <p:spTree>
@@ -7496,15 +7889,6 @@
 </file>
 
 <file path=customXml/item2.xml><?xml version="1.0" encoding="utf-8"?>
-<?mso-contentType ?>
-<FormTemplates xmlns="http://schemas.microsoft.com/sharepoint/v3/contenttype/forms">
-  <Display>DocumentLibraryForm</Display>
-  <Edit>DocumentLibraryForm</Edit>
-  <New>DocumentLibraryForm</New>
-</FormTemplates>
-</file>
-
-<file path=customXml/item3.xml><?xml version="1.0" encoding="utf-8"?>
 <ct:contentTypeSchema xmlns:ct="http://schemas.microsoft.com/office/2006/metadata/contentType" xmlns:ma="http://schemas.microsoft.com/office/2006/metadata/properties/metaAttributes" ct:_="" ma:_="" ma:contentTypeName="Document" ma:contentTypeID="0x01010079F111ED35F8CC479449609E8A0923A6" ma:contentTypeVersion="12" ma:contentTypeDescription="Create a new document." ma:contentTypeScope="" ma:versionID="a410dd7f93c95333ffa1b60ed6adedd1">
   <xsd:schema xmlns:xsd="http://www.w3.org/2001/XMLSchema" xmlns:xs="http://www.w3.org/2001/XMLSchema" xmlns:p="http://schemas.microsoft.com/office/2006/metadata/properties" xmlns:ns2="71af3243-3dd4-4a8d-8c0d-dd76da1f02a5" xmlns:ns3="16c05727-aa75-4e4a-9b5f-8a80a1165891" targetNamespace="http://schemas.microsoft.com/office/2006/metadata/properties" ma:root="true" ma:fieldsID="a936d9baba76aa3866493feff160faab" ns2:_="" ns3:_="">
     <xsd:import namespace="71af3243-3dd4-4a8d-8c0d-dd76da1f02a5"/>
@@ -7725,6 +8109,15 @@
 </ct:contentTypeSchema>
 </file>
 
+<file path=customXml/item3.xml><?xml version="1.0" encoding="utf-8"?>
+<?mso-contentType ?>
+<FormTemplates xmlns="http://schemas.microsoft.com/sharepoint/v3/contenttype/forms">
+  <Display>DocumentLibraryForm</Display>
+  <Edit>DocumentLibraryForm</Edit>
+  <New>DocumentLibraryForm</New>
+</FormTemplates>
+</file>
+
 <file path=customXml/itemProps1.xml><?xml version="1.0" encoding="utf-8"?>
 <ds:datastoreItem xmlns:ds="http://schemas.openxmlformats.org/officeDocument/2006/customXml" ds:itemID="{137651BA-F45C-4845-9AB3-E0A65B39F5E1}">
   <ds:schemaRefs>
@@ -7736,14 +8129,6 @@
 </file>
 
 <file path=customXml/itemProps2.xml><?xml version="1.0" encoding="utf-8"?>
-<ds:datastoreItem xmlns:ds="http://schemas.openxmlformats.org/officeDocument/2006/customXml" ds:itemID="{CDB58277-F8DF-46FF-84EC-EF41B835E69F}">
-  <ds:schemaRefs>
-    <ds:schemaRef ds:uri="http://schemas.microsoft.com/sharepoint/v3/contenttype/forms"/>
-  </ds:schemaRefs>
-</ds:datastoreItem>
-</file>
-
-<file path=customXml/itemProps3.xml><?xml version="1.0" encoding="utf-8"?>
 <ds:datastoreItem xmlns:ds="http://schemas.openxmlformats.org/officeDocument/2006/customXml" ds:itemID="{2D276E62-80A3-44DD-9BCC-97ED2B99B57F}">
   <ds:schemaRefs>
     <ds:schemaRef ds:uri="http://schemas.microsoft.com/office/2006/metadata/contentType"/>
@@ -7760,4 +8145,12 @@
     <ds:schemaRef ds:uri="http://schemas.microsoft.com/internal/obd"/>
   </ds:schemaRefs>
 </ds:datastoreItem>
+</file>
+
+<file path=customXml/itemProps3.xml><?xml version="1.0" encoding="utf-8"?>
+<ds:datastoreItem xmlns:ds="http://schemas.openxmlformats.org/officeDocument/2006/customXml" ds:itemID="{CDB58277-F8DF-46FF-84EC-EF41B835E69F}">
+  <ds:schemaRefs>
+    <ds:schemaRef ds:uri="http://schemas.microsoft.com/sharepoint/v3/contenttype/forms"/>
+  </ds:schemaRefs>
+</ds:datastoreItem>
 </file>